--- a/Article/AI/JetbrainAI/img/JetbrainAI.pptx
+++ b/Article/AI/JetbrainAI/img/JetbrainAI.pptx
@@ -3554,8 +3554,68 @@
         </p:blipFill>
         <p:spPr>
           <a:xfrm>
-            <a:off x="294289" y="-3109942"/>
+            <a:off x="294289" y="-2714526"/>
             <a:ext cx="10668000" cy="10758407"/>
+          </a:xfrm>
+          <a:prstGeom prst="rect">
+            <a:avLst/>
+          </a:prstGeom>
+        </p:spPr>
+      </p:pic>
+      <p:pic>
+        <p:nvPicPr>
+          <p:cNvPr id="7" name="그림 6" descr="텍스트, 스크린샷, 폰트, 디자인이(가) 표시된 사진&#10;&#10;자동 생성된 설명">
+            <a:extLst>
+              <a:ext uri="{FF2B5EF4-FFF2-40B4-BE49-F238E27FC236}">
+                <a16:creationId xmlns:a16="http://schemas.microsoft.com/office/drawing/2014/main" id="{C994CD20-D823-F9E6-28EA-CEB28846DD5F}"/>
+              </a:ext>
+            </a:extLst>
+          </p:cNvPr>
+          <p:cNvPicPr>
+            <a:picLocks noChangeAspect="1"/>
+          </p:cNvPicPr>
+          <p:nvPr/>
+        </p:nvPicPr>
+        <p:blipFill>
+          <a:blip r:embed="rId3"/>
+          <a:stretch>
+            <a:fillRect/>
+          </a:stretch>
+        </p:blipFill>
+        <p:spPr>
+          <a:xfrm>
+            <a:off x="1076923" y="-3064478"/>
+            <a:ext cx="9710525" cy="10927721"/>
+          </a:xfrm>
+          <a:prstGeom prst="rect">
+            <a:avLst/>
+          </a:prstGeom>
+        </p:spPr>
+      </p:pic>
+      <p:pic>
+        <p:nvPicPr>
+          <p:cNvPr id="9" name="그림 8" descr="텍스트, 스크린샷, 폰트, 디자인이(가) 표시된 사진&#10;&#10;자동 생성된 설명">
+            <a:extLst>
+              <a:ext uri="{FF2B5EF4-FFF2-40B4-BE49-F238E27FC236}">
+                <a16:creationId xmlns:a16="http://schemas.microsoft.com/office/drawing/2014/main" id="{3DE62D8B-D8FF-BED7-F947-8FBA3EDAE6D6}"/>
+              </a:ext>
+            </a:extLst>
+          </p:cNvPr>
+          <p:cNvPicPr>
+            <a:picLocks noChangeAspect="1"/>
+          </p:cNvPicPr>
+          <p:nvPr/>
+        </p:nvPicPr>
+        <p:blipFill>
+          <a:blip r:embed="rId4"/>
+          <a:stretch>
+            <a:fillRect/>
+          </a:stretch>
+        </p:blipFill>
+        <p:spPr>
+          <a:xfrm>
+            <a:off x="902082" y="-2714527"/>
+            <a:ext cx="10891550" cy="10140937"/>
           </a:xfrm>
           <a:prstGeom prst="rect">
             <a:avLst/>
@@ -3592,6 +3652,36 @@
           <a:chExt cx="0" cy="0"/>
         </a:xfrm>
       </p:grpSpPr>
+      <p:pic>
+        <p:nvPicPr>
+          <p:cNvPr id="2" name="그림 1">
+            <a:extLst>
+              <a:ext uri="{FF2B5EF4-FFF2-40B4-BE49-F238E27FC236}">
+                <a16:creationId xmlns:a16="http://schemas.microsoft.com/office/drawing/2014/main" id="{07D581D9-8C27-56F3-497A-634F6C4737AC}"/>
+              </a:ext>
+            </a:extLst>
+          </p:cNvPr>
+          <p:cNvPicPr>
+            <a:picLocks noChangeAspect="1"/>
+          </p:cNvPicPr>
+          <p:nvPr/>
+        </p:nvPicPr>
+        <p:blipFill>
+          <a:blip r:embed="rId2"/>
+          <a:stretch>
+            <a:fillRect/>
+          </a:stretch>
+        </p:blipFill>
+        <p:spPr>
+          <a:xfrm>
+            <a:off x="1385063" y="-1297460"/>
+            <a:ext cx="9866589" cy="7475838"/>
+          </a:xfrm>
+          <a:prstGeom prst="rect">
+            <a:avLst/>
+          </a:prstGeom>
+        </p:spPr>
+      </p:pic>
     </p:spTree>
     <p:extLst>
       <p:ext uri="{BB962C8B-B14F-4D97-AF65-F5344CB8AC3E}">
